--- a/docs/Geometry Drawings.pptx
+++ b/docs/Geometry Drawings.pptx
@@ -197,7 +197,7 @@
           <a:p>
             <a:fld id="{9FB87BA8-06F6-B646-996A-F4F317E0851D}" type="datetimeFigureOut">
               <a:rPr lang="en-US" smtClean="0"/>
-              <a:t>5/4/21</a:t>
+              <a:t>5/9/21</a:t>
             </a:fld>
             <a:endParaRPr lang="en-US"/>
           </a:p>
@@ -677,7 +677,7 @@
           <a:p>
             <a:fld id="{63EB71E2-6404-9340-A202-DF9F8907A413}" type="datetimeFigureOut">
               <a:rPr lang="en-US" smtClean="0"/>
-              <a:t>5/4/21</a:t>
+              <a:t>5/9/21</a:t>
             </a:fld>
             <a:endParaRPr lang="en-US"/>
           </a:p>
@@ -845,7 +845,7 @@
           <a:p>
             <a:fld id="{63EB71E2-6404-9340-A202-DF9F8907A413}" type="datetimeFigureOut">
               <a:rPr lang="en-US" smtClean="0"/>
-              <a:t>5/4/21</a:t>
+              <a:t>5/9/21</a:t>
             </a:fld>
             <a:endParaRPr lang="en-US"/>
           </a:p>
@@ -1023,7 +1023,7 @@
           <a:p>
             <a:fld id="{63EB71E2-6404-9340-A202-DF9F8907A413}" type="datetimeFigureOut">
               <a:rPr lang="en-US" smtClean="0"/>
-              <a:t>5/4/21</a:t>
+              <a:t>5/9/21</a:t>
             </a:fld>
             <a:endParaRPr lang="en-US"/>
           </a:p>
@@ -1191,7 +1191,7 @@
           <a:p>
             <a:fld id="{63EB71E2-6404-9340-A202-DF9F8907A413}" type="datetimeFigureOut">
               <a:rPr lang="en-US" smtClean="0"/>
-              <a:t>5/4/21</a:t>
+              <a:t>5/9/21</a:t>
             </a:fld>
             <a:endParaRPr lang="en-US"/>
           </a:p>
@@ -1436,7 +1436,7 @@
           <a:p>
             <a:fld id="{63EB71E2-6404-9340-A202-DF9F8907A413}" type="datetimeFigureOut">
               <a:rPr lang="en-US" smtClean="0"/>
-              <a:t>5/4/21</a:t>
+              <a:t>5/9/21</a:t>
             </a:fld>
             <a:endParaRPr lang="en-US"/>
           </a:p>
@@ -1665,7 +1665,7 @@
           <a:p>
             <a:fld id="{63EB71E2-6404-9340-A202-DF9F8907A413}" type="datetimeFigureOut">
               <a:rPr lang="en-US" smtClean="0"/>
-              <a:t>5/4/21</a:t>
+              <a:t>5/9/21</a:t>
             </a:fld>
             <a:endParaRPr lang="en-US"/>
           </a:p>
@@ -2029,7 +2029,7 @@
           <a:p>
             <a:fld id="{63EB71E2-6404-9340-A202-DF9F8907A413}" type="datetimeFigureOut">
               <a:rPr lang="en-US" smtClean="0"/>
-              <a:t>5/4/21</a:t>
+              <a:t>5/9/21</a:t>
             </a:fld>
             <a:endParaRPr lang="en-US"/>
           </a:p>
@@ -2146,7 +2146,7 @@
           <a:p>
             <a:fld id="{63EB71E2-6404-9340-A202-DF9F8907A413}" type="datetimeFigureOut">
               <a:rPr lang="en-US" smtClean="0"/>
-              <a:t>5/4/21</a:t>
+              <a:t>5/9/21</a:t>
             </a:fld>
             <a:endParaRPr lang="en-US"/>
           </a:p>
@@ -2241,7 +2241,7 @@
           <a:p>
             <a:fld id="{63EB71E2-6404-9340-A202-DF9F8907A413}" type="datetimeFigureOut">
               <a:rPr lang="en-US" smtClean="0"/>
-              <a:t>5/4/21</a:t>
+              <a:t>5/9/21</a:t>
             </a:fld>
             <a:endParaRPr lang="en-US"/>
           </a:p>
@@ -2516,7 +2516,7 @@
           <a:p>
             <a:fld id="{63EB71E2-6404-9340-A202-DF9F8907A413}" type="datetimeFigureOut">
               <a:rPr lang="en-US" smtClean="0"/>
-              <a:t>5/4/21</a:t>
+              <a:t>5/9/21</a:t>
             </a:fld>
             <a:endParaRPr lang="en-US"/>
           </a:p>
@@ -2768,7 +2768,7 @@
           <a:p>
             <a:fld id="{63EB71E2-6404-9340-A202-DF9F8907A413}" type="datetimeFigureOut">
               <a:rPr lang="en-US" smtClean="0"/>
-              <a:t>5/4/21</a:t>
+              <a:t>5/9/21</a:t>
             </a:fld>
             <a:endParaRPr lang="en-US"/>
           </a:p>
@@ -2979,7 +2979,7 @@
           <a:p>
             <a:fld id="{63EB71E2-6404-9340-A202-DF9F8907A413}" type="datetimeFigureOut">
               <a:rPr lang="en-US" smtClean="0"/>
-              <a:t>5/4/21</a:t>
+              <a:t>5/9/21</a:t>
             </a:fld>
             <a:endParaRPr lang="en-US"/>
           </a:p>
@@ -9536,8 +9536,8 @@
           </p:style>
         </p:cxnSp>
       </p:grpSp>
-      <mc:AlternateContent xmlns:mc="http://schemas.openxmlformats.org/markup-compatibility/2006">
-        <mc:Choice xmlns:a14="http://schemas.microsoft.com/office/drawing/2010/main" Requires="a14">
+      <mc:AlternateContent xmlns:mc="http://schemas.openxmlformats.org/markup-compatibility/2006" xmlns:a14="http://schemas.microsoft.com/office/drawing/2010/main">
+        <mc:Choice Requires="a14">
           <p:sp>
             <p:nvSpPr>
               <p:cNvPr id="280" name="TextBox 279"/>
@@ -9732,7 +9732,7 @@
             </p:txBody>
           </p:sp>
         </mc:Choice>
-        <mc:Fallback>
+        <mc:Fallback xmlns="">
           <p:sp>
             <p:nvSpPr>
               <p:cNvPr id="280" name="TextBox 279"/>
@@ -10485,7 +10485,7 @@
             </a:r>
             <a:r>
               <a:rPr lang="en-US" sz="1100" dirty="0"/>
-              <a:t>(1)</a:t>
+              <a:t>(0)</a:t>
             </a:r>
           </a:p>
         </p:txBody>
@@ -10523,9 +10523,10 @@
               <a:t>center_offset</a:t>
             </a:r>
             <a:r>
-              <a:rPr lang="en-US" sz="1100" dirty="0"/>
-              <a:t>(2)</a:t>
+              <a:rPr lang="en-US" sz="1100"/>
+              <a:t>(1)</a:t>
             </a:r>
+            <a:endParaRPr lang="en-US" sz="1100" dirty="0"/>
           </a:p>
         </p:txBody>
       </p:sp>

--- a/docs/Geometry Drawings.pptx
+++ b/docs/Geometry Drawings.pptx
@@ -197,7 +197,7 @@
           <a:p>
             <a:fld id="{9FB87BA8-06F6-B646-996A-F4F317E0851D}" type="datetimeFigureOut">
               <a:rPr lang="en-US" smtClean="0"/>
-              <a:t>5/9/21</a:t>
+              <a:t>5/10/21</a:t>
             </a:fld>
             <a:endParaRPr lang="en-US"/>
           </a:p>
@@ -677,7 +677,7 @@
           <a:p>
             <a:fld id="{63EB71E2-6404-9340-A202-DF9F8907A413}" type="datetimeFigureOut">
               <a:rPr lang="en-US" smtClean="0"/>
-              <a:t>5/9/21</a:t>
+              <a:t>5/10/21</a:t>
             </a:fld>
             <a:endParaRPr lang="en-US"/>
           </a:p>
@@ -845,7 +845,7 @@
           <a:p>
             <a:fld id="{63EB71E2-6404-9340-A202-DF9F8907A413}" type="datetimeFigureOut">
               <a:rPr lang="en-US" smtClean="0"/>
-              <a:t>5/9/21</a:t>
+              <a:t>5/10/21</a:t>
             </a:fld>
             <a:endParaRPr lang="en-US"/>
           </a:p>
@@ -1023,7 +1023,7 @@
           <a:p>
             <a:fld id="{63EB71E2-6404-9340-A202-DF9F8907A413}" type="datetimeFigureOut">
               <a:rPr lang="en-US" smtClean="0"/>
-              <a:t>5/9/21</a:t>
+              <a:t>5/10/21</a:t>
             </a:fld>
             <a:endParaRPr lang="en-US"/>
           </a:p>
@@ -1191,7 +1191,7 @@
           <a:p>
             <a:fld id="{63EB71E2-6404-9340-A202-DF9F8907A413}" type="datetimeFigureOut">
               <a:rPr lang="en-US" smtClean="0"/>
-              <a:t>5/9/21</a:t>
+              <a:t>5/10/21</a:t>
             </a:fld>
             <a:endParaRPr lang="en-US"/>
           </a:p>
@@ -1436,7 +1436,7 @@
           <a:p>
             <a:fld id="{63EB71E2-6404-9340-A202-DF9F8907A413}" type="datetimeFigureOut">
               <a:rPr lang="en-US" smtClean="0"/>
-              <a:t>5/9/21</a:t>
+              <a:t>5/10/21</a:t>
             </a:fld>
             <a:endParaRPr lang="en-US"/>
           </a:p>
@@ -1665,7 +1665,7 @@
           <a:p>
             <a:fld id="{63EB71E2-6404-9340-A202-DF9F8907A413}" type="datetimeFigureOut">
               <a:rPr lang="en-US" smtClean="0"/>
-              <a:t>5/9/21</a:t>
+              <a:t>5/10/21</a:t>
             </a:fld>
             <a:endParaRPr lang="en-US"/>
           </a:p>
@@ -2029,7 +2029,7 @@
           <a:p>
             <a:fld id="{63EB71E2-6404-9340-A202-DF9F8907A413}" type="datetimeFigureOut">
               <a:rPr lang="en-US" smtClean="0"/>
-              <a:t>5/9/21</a:t>
+              <a:t>5/10/21</a:t>
             </a:fld>
             <a:endParaRPr lang="en-US"/>
           </a:p>
@@ -2146,7 +2146,7 @@
           <a:p>
             <a:fld id="{63EB71E2-6404-9340-A202-DF9F8907A413}" type="datetimeFigureOut">
               <a:rPr lang="en-US" smtClean="0"/>
-              <a:t>5/9/21</a:t>
+              <a:t>5/10/21</a:t>
             </a:fld>
             <a:endParaRPr lang="en-US"/>
           </a:p>
@@ -2241,7 +2241,7 @@
           <a:p>
             <a:fld id="{63EB71E2-6404-9340-A202-DF9F8907A413}" type="datetimeFigureOut">
               <a:rPr lang="en-US" smtClean="0"/>
-              <a:t>5/9/21</a:t>
+              <a:t>5/10/21</a:t>
             </a:fld>
             <a:endParaRPr lang="en-US"/>
           </a:p>
@@ -2516,7 +2516,7 @@
           <a:p>
             <a:fld id="{63EB71E2-6404-9340-A202-DF9F8907A413}" type="datetimeFigureOut">
               <a:rPr lang="en-US" smtClean="0"/>
-              <a:t>5/9/21</a:t>
+              <a:t>5/10/21</a:t>
             </a:fld>
             <a:endParaRPr lang="en-US"/>
           </a:p>
@@ -2768,7 +2768,7 @@
           <a:p>
             <a:fld id="{63EB71E2-6404-9340-A202-DF9F8907A413}" type="datetimeFigureOut">
               <a:rPr lang="en-US" smtClean="0"/>
-              <a:t>5/9/21</a:t>
+              <a:t>5/10/21</a:t>
             </a:fld>
             <a:endParaRPr lang="en-US"/>
           </a:p>
@@ -2979,7 +2979,7 @@
           <a:p>
             <a:fld id="{63EB71E2-6404-9340-A202-DF9F8907A413}" type="datetimeFigureOut">
               <a:rPr lang="en-US" smtClean="0"/>
-              <a:t>5/9/21</a:t>
+              <a:t>5/10/21</a:t>
             </a:fld>
             <a:endParaRPr lang="en-US"/>
           </a:p>
@@ -8577,95 +8577,48 @@
           </p:style>
         </p:cxnSp>
       </p:grpSp>
-      <p:grpSp>
-        <p:nvGrpSpPr>
-          <p:cNvPr id="13" name="Group 12"/>
-          <p:cNvGrpSpPr/>
+      <p:cxnSp>
+        <p:nvCxnSpPr>
+          <p:cNvPr id="167" name="Straight Connector 166"/>
+          <p:cNvCxnSpPr>
+            <a:cxnSpLocks/>
+            <a:stCxn id="178" idx="1"/>
+          </p:cNvCxnSpPr>
           <p:nvPr/>
-        </p:nvGrpSpPr>
-        <p:grpSpPr>
-          <a:xfrm>
-            <a:off x="4093247" y="3562704"/>
-            <a:ext cx="497493" cy="64120"/>
-            <a:chOff x="4093247" y="3562704"/>
-            <a:chExt cx="497493" cy="64120"/>
+        </p:nvCxnSpPr>
+        <p:spPr>
+          <a:xfrm flipH="1" flipV="1">
+            <a:off x="4093248" y="3562705"/>
+            <a:ext cx="488276" cy="149576"/>
           </a:xfrm>
-        </p:grpSpPr>
-        <p:cxnSp>
-          <p:nvCxnSpPr>
-            <p:cNvPr id="167" name="Straight Connector 166"/>
-            <p:cNvCxnSpPr/>
-            <p:nvPr/>
-          </p:nvCxnSpPr>
-          <p:spPr>
-            <a:xfrm flipH="1" flipV="1">
-              <a:off x="4093247" y="3562704"/>
-              <a:ext cx="223676" cy="64120"/>
-            </a:xfrm>
-            <a:prstGeom prst="line">
-              <a:avLst/>
-            </a:prstGeom>
-            <a:ln w="6350">
-              <a:solidFill>
-                <a:schemeClr val="tx1"/>
-              </a:solidFill>
-              <a:prstDash val="sysDot"/>
-            </a:ln>
-          </p:spPr>
-          <p:style>
-            <a:lnRef idx="1">
-              <a:schemeClr val="accent1"/>
-            </a:lnRef>
-            <a:fillRef idx="0">
-              <a:schemeClr val="accent1"/>
-            </a:fillRef>
-            <a:effectRef idx="0">
-              <a:schemeClr val="accent1"/>
-            </a:effectRef>
-            <a:fontRef idx="minor">
+          <a:prstGeom prst="line">
+            <a:avLst/>
+          </a:prstGeom>
+          <a:ln w="6350">
+            <a:solidFill>
               <a:schemeClr val="tx1"/>
-            </a:fontRef>
-          </p:style>
-        </p:cxnSp>
-        <p:cxnSp>
-          <p:nvCxnSpPr>
-            <p:cNvPr id="173" name="Straight Connector 172"/>
-            <p:cNvCxnSpPr/>
-            <p:nvPr/>
-          </p:nvCxnSpPr>
-          <p:spPr>
-            <a:xfrm>
-              <a:off x="4316922" y="3625134"/>
-              <a:ext cx="273818" cy="0"/>
-            </a:xfrm>
-            <a:prstGeom prst="line">
-              <a:avLst/>
-            </a:prstGeom>
-            <a:ln w="6350">
-              <a:solidFill>
-                <a:schemeClr val="tx1"/>
-              </a:solidFill>
-              <a:prstDash val="sysDot"/>
-            </a:ln>
-          </p:spPr>
-          <p:style>
-            <a:lnRef idx="1">
-              <a:schemeClr val="accent1"/>
-            </a:lnRef>
-            <a:fillRef idx="0">
-              <a:schemeClr val="accent1"/>
-            </a:fillRef>
-            <a:effectRef idx="0">
-              <a:schemeClr val="accent1"/>
-            </a:effectRef>
-            <a:fontRef idx="minor">
-              <a:schemeClr val="tx1"/>
-            </a:fontRef>
-          </p:style>
-        </p:cxnSp>
-      </p:grpSp>
-      <mc:AlternateContent xmlns:mc="http://schemas.openxmlformats.org/markup-compatibility/2006" xmlns:a14="http://schemas.microsoft.com/office/drawing/2010/main">
-        <mc:Choice Requires="a14">
+            </a:solidFill>
+            <a:prstDash val="sysDot"/>
+            <a:headEnd type="triangle"/>
+          </a:ln>
+        </p:spPr>
+        <p:style>
+          <a:lnRef idx="1">
+            <a:schemeClr val="accent1"/>
+          </a:lnRef>
+          <a:fillRef idx="0">
+            <a:schemeClr val="accent1"/>
+          </a:fillRef>
+          <a:effectRef idx="0">
+            <a:schemeClr val="accent1"/>
+          </a:effectRef>
+          <a:fontRef idx="minor">
+            <a:schemeClr val="tx1"/>
+          </a:fontRef>
+        </p:style>
+      </p:cxnSp>
+      <mc:AlternateContent xmlns:mc="http://schemas.openxmlformats.org/markup-compatibility/2006">
+        <mc:Choice xmlns:a14="http://schemas.microsoft.com/office/drawing/2010/main" Requires="a14">
           <p:sp>
             <p:nvSpPr>
               <p:cNvPr id="177" name="TextBox 176"/>
@@ -8675,7 +8628,7 @@
             <p:spPr>
               <a:xfrm>
                 <a:off x="4600441" y="3603153"/>
-                <a:ext cx="552524" cy="153888"/>
+                <a:ext cx="491353" cy="153888"/>
               </a:xfrm>
               <a:prstGeom prst="rect">
                 <a:avLst/>
@@ -8707,40 +8660,15 @@
                           </m:ctrlPr>
                         </m:dPr>
                         <m:e>
-                          <m:sSub>
-                            <m:sSubPr>
-                              <m:ctrlPr>
-                                <a:rPr lang="en-US" sz="1000" b="0" i="1" smtClean="0">
-                                  <a:solidFill>
-                                    <a:srgbClr val="FF0000"/>
-                                  </a:solidFill>
-                                  <a:latin typeface="Cambria Math" panose="02040503050406030204" pitchFamily="18" charset="0"/>
-                                </a:rPr>
-                              </m:ctrlPr>
-                            </m:sSubPr>
-                            <m:e>
-                              <m:r>
-                                <a:rPr lang="en-US" sz="1000" b="0" i="1" smtClean="0">
-                                  <a:solidFill>
-                                    <a:srgbClr val="FF0000"/>
-                                  </a:solidFill>
-                                  <a:latin typeface="Cambria Math" charset="0"/>
-                                </a:rPr>
-                                <m:t>𝑢</m:t>
-                              </m:r>
-                            </m:e>
-                            <m:sub>
-                              <m:r>
-                                <a:rPr lang="en-US" sz="1000" b="0" i="1" smtClean="0">
-                                  <a:solidFill>
-                                    <a:srgbClr val="FF0000"/>
-                                  </a:solidFill>
-                                  <a:latin typeface="Cambria Math" charset="0"/>
-                                </a:rPr>
-                                <m:t>𝑟</m:t>
-                              </m:r>
-                            </m:sub>
-                          </m:sSub>
+                          <m:r>
+                            <a:rPr lang="en-US" sz="1000" b="0" i="1" smtClean="0">
+                              <a:solidFill>
+                                <a:srgbClr val="FF0000"/>
+                              </a:solidFill>
+                              <a:latin typeface="Cambria Math" panose="02040503050406030204" pitchFamily="18" charset="0"/>
+                            </a:rPr>
+                            <m:t>0</m:t>
+                          </m:r>
                           <m:r>
                             <a:rPr lang="en-US" sz="1000" b="0" i="1" smtClean="0">
                               <a:solidFill>
@@ -8807,7 +8735,7 @@
             </p:txBody>
           </p:sp>
         </mc:Choice>
-        <mc:Fallback xmlns="">
+        <mc:Fallback>
           <p:sp>
             <p:nvSpPr>
               <p:cNvPr id="177" name="TextBox 176"/>
@@ -8819,15 +8747,15 @@
             <p:spPr>
               <a:xfrm>
                 <a:off x="4600441" y="3603153"/>
-                <a:ext cx="552524" cy="153888"/>
+                <a:ext cx="491353" cy="153888"/>
               </a:xfrm>
               <a:prstGeom prst="rect">
                 <a:avLst/>
               </a:prstGeom>
-              <a:blipFill rotWithShape="0">
+              <a:blipFill>
                 <a:blip r:embed="rId12"/>
                 <a:stretch>
-                  <a:fillRect b="-12000"/>
+                  <a:fillRect b="-15385"/>
                 </a:stretch>
               </a:blipFill>
             </p:spPr>
@@ -8854,7 +8782,7 @@
         </p:nvSpPr>
         <p:spPr>
           <a:xfrm>
-            <a:off x="4575729" y="3592645"/>
+            <a:off x="4575729" y="3706486"/>
             <a:ext cx="39571" cy="39571"/>
           </a:xfrm>
           <a:prstGeom prst="ellipse">
@@ -9815,100 +9743,6 @@
           </a:p>
         </p:txBody>
       </p:sp>
-      <mc:AlternateContent xmlns:mc="http://schemas.openxmlformats.org/markup-compatibility/2006" xmlns:a14="http://schemas.microsoft.com/office/drawing/2010/main">
-        <mc:Choice Requires="a14">
-          <p:sp>
-            <p:nvSpPr>
-              <p:cNvPr id="185" name="TextBox 184"/>
-              <p:cNvSpPr txBox="1"/>
-              <p:nvPr/>
-            </p:nvSpPr>
-            <p:spPr>
-              <a:xfrm>
-                <a:off x="3799565" y="3615886"/>
-                <a:ext cx="355867" cy="153888"/>
-              </a:xfrm>
-              <a:prstGeom prst="rect">
-                <a:avLst/>
-              </a:prstGeom>
-              <a:noFill/>
-            </p:spPr>
-            <p:txBody>
-              <a:bodyPr wrap="none" lIns="0" tIns="0" rIns="0" bIns="0" rtlCol="0">
-                <a:spAutoFit/>
-              </a:bodyPr>
-              <a:lstStyle/>
-              <a:p>
-                <a:pPr/>
-                <a14:m>
-                  <m:oMathPara xmlns:m="http://schemas.openxmlformats.org/officeDocument/2006/math">
-                    <m:oMathParaPr>
-                      <m:jc m:val="centerGroup"/>
-                    </m:oMathParaPr>
-                    <m:oMath xmlns:m="http://schemas.openxmlformats.org/officeDocument/2006/math">
-                      <m:r>
-                        <m:rPr>
-                          <m:nor/>
-                        </m:rPr>
-                        <a:rPr lang="en-US" sz="1000" b="0" i="0" smtClean="0">
-                          <a:solidFill>
-                            <a:srgbClr val="FF0000"/>
-                          </a:solidFill>
-                          <a:latin typeface="Cambria Math" charset="0"/>
-                        </a:rPr>
-                        <m:t>origin</m:t>
-                      </m:r>
-                    </m:oMath>
-                  </m:oMathPara>
-                </a14:m>
-                <a:endParaRPr lang="en-US" sz="1000" dirty="0">
-                  <a:solidFill>
-                    <a:srgbClr val="FF0000"/>
-                  </a:solidFill>
-                </a:endParaRPr>
-              </a:p>
-            </p:txBody>
-          </p:sp>
-        </mc:Choice>
-        <mc:Fallback xmlns="">
-          <p:sp>
-            <p:nvSpPr>
-              <p:cNvPr id="185" name="TextBox 184"/>
-              <p:cNvSpPr txBox="1">
-                <a:spLocks noRot="1" noChangeAspect="1" noMove="1" noResize="1" noEditPoints="1" noAdjustHandles="1" noChangeArrowheads="1" noChangeShapeType="1" noTextEdit="1"/>
-              </p:cNvSpPr>
-              <p:nvPr/>
-            </p:nvSpPr>
-            <p:spPr>
-              <a:xfrm>
-                <a:off x="3799565" y="3615886"/>
-                <a:ext cx="355867" cy="153888"/>
-              </a:xfrm>
-              <a:prstGeom prst="rect">
-                <a:avLst/>
-              </a:prstGeom>
-              <a:blipFill rotWithShape="0">
-                <a:blip r:embed="rId19"/>
-                <a:stretch>
-                  <a:fillRect l="-11864" r="-13559" b="-40000"/>
-                </a:stretch>
-              </a:blipFill>
-            </p:spPr>
-            <p:txBody>
-              <a:bodyPr/>
-              <a:lstStyle/>
-              <a:p>
-                <a:r>
-                  <a:rPr lang="en-US">
-                    <a:noFill/>
-                  </a:rPr>
-                  <a:t> </a:t>
-                </a:r>
-              </a:p>
-            </p:txBody>
-          </p:sp>
-        </mc:Fallback>
-      </mc:AlternateContent>
       <mc:AlternateContent xmlns:mc="http://schemas.openxmlformats.org/markup-compatibility/2006" xmlns:a14="http://schemas.microsoft.com/office/drawing/2010/main">
         <mc:Choice Requires="a14">
           <p:sp>
@@ -10297,7 +10131,7 @@
             <a:solidFill>
               <a:schemeClr val="tx1"/>
             </a:solidFill>
-            <a:headEnd type="triangle" w="sm" len="med"/>
+            <a:headEnd type="none" w="sm" len="med"/>
             <a:tailEnd type="triangle" w="sm" len="med"/>
           </a:ln>
         </p:spPr>
@@ -10342,7 +10176,7 @@
             <a:solidFill>
               <a:schemeClr val="tx1"/>
             </a:solidFill>
-            <a:headEnd type="triangle" w="sm" len="med"/>
+            <a:headEnd type="none" w="sm" len="med"/>
             <a:tailEnd type="triangle" w="sm" len="med"/>
           </a:ln>
         </p:spPr>
@@ -10504,8 +10338,47 @@
         </p:nvSpPr>
         <p:spPr>
           <a:xfrm>
-            <a:off x="8699127" y="3193114"/>
-            <a:ext cx="1116011" cy="261610"/>
+            <a:off x="8625094" y="3193114"/>
+            <a:ext cx="1108102" cy="261610"/>
+          </a:xfrm>
+          <a:prstGeom prst="rect">
+            <a:avLst/>
+          </a:prstGeom>
+          <a:noFill/>
+        </p:spPr>
+        <p:txBody>
+          <a:bodyPr wrap="square" rtlCol="0">
+            <a:spAutoFit/>
+          </a:bodyPr>
+          <a:lstStyle/>
+          <a:p>
+            <a:r>
+              <a:rPr lang="en-US" sz="1100" dirty="0" err="1"/>
+              <a:t>center_offset</a:t>
+            </a:r>
+            <a:r>
+              <a:rPr lang="en-US" sz="1100" dirty="0"/>
+              <a:t>(1)</a:t>
+            </a:r>
+          </a:p>
+        </p:txBody>
+      </p:sp>
+      <p:sp>
+        <p:nvSpPr>
+          <p:cNvPr id="170" name="TextBox 169">
+            <a:extLst>
+              <a:ext uri="{FF2B5EF4-FFF2-40B4-BE49-F238E27FC236}">
+                <a16:creationId xmlns:a16="http://schemas.microsoft.com/office/drawing/2014/main" id="{22589710-80D4-4C40-A8D4-8F6ED8DED81B}"/>
+              </a:ext>
+            </a:extLst>
+          </p:cNvPr>
+          <p:cNvSpPr txBox="1"/>
+          <p:nvPr/>
+        </p:nvSpPr>
+        <p:spPr>
+          <a:xfrm>
+            <a:off x="3481911" y="3640147"/>
+            <a:ext cx="1050288" cy="261610"/>
           </a:xfrm>
           <a:prstGeom prst="rect">
             <a:avLst/>
@@ -10520,16 +10393,156 @@
           <a:p>
             <a:r>
               <a:rPr lang="en-US" sz="1100" dirty="0" err="1"/>
-              <a:t>center_offset</a:t>
-            </a:r>
-            <a:r>
-              <a:rPr lang="en-US" sz="1100"/>
-              <a:t>(1)</a:t>
+              <a:t>rotation_offset</a:t>
             </a:r>
             <a:endParaRPr lang="en-US" sz="1100" dirty="0"/>
           </a:p>
         </p:txBody>
       </p:sp>
+      <mc:AlternateContent xmlns:mc="http://schemas.openxmlformats.org/markup-compatibility/2006">
+        <mc:Choice xmlns:a14="http://schemas.microsoft.com/office/drawing/2010/main" Requires="a14">
+          <p:sp>
+            <p:nvSpPr>
+              <p:cNvPr id="172" name="TextBox 171">
+                <a:extLst>
+                  <a:ext uri="{FF2B5EF4-FFF2-40B4-BE49-F238E27FC236}">
+                    <a16:creationId xmlns:a16="http://schemas.microsoft.com/office/drawing/2014/main" id="{593F5BFC-2E7C-C243-8337-120363233862}"/>
+                  </a:ext>
+                </a:extLst>
+              </p:cNvPr>
+              <p:cNvSpPr txBox="1"/>
+              <p:nvPr/>
+            </p:nvSpPr>
+            <p:spPr>
+              <a:xfrm>
+                <a:off x="3640517" y="3292370"/>
+                <a:ext cx="398186" cy="153888"/>
+              </a:xfrm>
+              <a:prstGeom prst="rect">
+                <a:avLst/>
+              </a:prstGeom>
+              <a:noFill/>
+            </p:spPr>
+            <p:txBody>
+              <a:bodyPr wrap="none" lIns="0" tIns="0" rIns="0" bIns="0" rtlCol="0">
+                <a:spAutoFit/>
+              </a:bodyPr>
+              <a:lstStyle/>
+              <a:p>
+                <a:pPr/>
+                <a14:m>
+                  <m:oMathPara xmlns:m="http://schemas.openxmlformats.org/officeDocument/2006/math">
+                    <m:oMathParaPr>
+                      <m:jc m:val="centerGroup"/>
+                    </m:oMathParaPr>
+                    <m:oMath xmlns:m="http://schemas.openxmlformats.org/officeDocument/2006/math">
+                      <m:d>
+                        <m:dPr>
+                          <m:ctrlPr>
+                            <a:rPr lang="en-US" sz="1000" b="0" i="1" smtClean="0">
+                              <a:solidFill>
+                                <a:srgbClr val="FF0000"/>
+                              </a:solidFill>
+                              <a:latin typeface="Cambria Math" panose="02040503050406030204" pitchFamily="18" charset="0"/>
+                            </a:rPr>
+                          </m:ctrlPr>
+                        </m:dPr>
+                        <m:e>
+                          <m:r>
+                            <a:rPr lang="en-US" sz="1000" b="0" i="1" smtClean="0">
+                              <a:solidFill>
+                                <a:srgbClr val="FF0000"/>
+                              </a:solidFill>
+                              <a:latin typeface="Cambria Math" panose="02040503050406030204" pitchFamily="18" charset="0"/>
+                            </a:rPr>
+                            <m:t>0</m:t>
+                          </m:r>
+                          <m:r>
+                            <a:rPr lang="en-US" sz="1000" b="0" i="1" smtClean="0">
+                              <a:solidFill>
+                                <a:srgbClr val="FF0000"/>
+                              </a:solidFill>
+                              <a:latin typeface="Cambria Math" charset="0"/>
+                            </a:rPr>
+                            <m:t>,</m:t>
+                          </m:r>
+                          <m:r>
+                            <a:rPr lang="en-US" sz="1000" b="0" i="1" smtClean="0">
+                              <a:solidFill>
+                                <a:srgbClr val="FF0000"/>
+                              </a:solidFill>
+                              <a:latin typeface="Cambria Math" panose="02040503050406030204" pitchFamily="18" charset="0"/>
+                            </a:rPr>
+                            <m:t>0</m:t>
+                          </m:r>
+                          <m:r>
+                            <a:rPr lang="en-US" sz="1000" b="0" i="1" smtClean="0">
+                              <a:solidFill>
+                                <a:srgbClr val="FF0000"/>
+                              </a:solidFill>
+                              <a:latin typeface="Cambria Math" charset="0"/>
+                            </a:rPr>
+                            <m:t>,0</m:t>
+                          </m:r>
+                        </m:e>
+                      </m:d>
+                    </m:oMath>
+                  </m:oMathPara>
+                </a14:m>
+                <a:endParaRPr lang="en-US" sz="1000" dirty="0">
+                  <a:solidFill>
+                    <a:srgbClr val="FF0000"/>
+                  </a:solidFill>
+                </a:endParaRPr>
+              </a:p>
+            </p:txBody>
+          </p:sp>
+        </mc:Choice>
+        <mc:Fallback>
+          <p:sp>
+            <p:nvSpPr>
+              <p:cNvPr id="172" name="TextBox 171">
+                <a:extLst>
+                  <a:ext uri="{FF2B5EF4-FFF2-40B4-BE49-F238E27FC236}">
+                    <a16:creationId xmlns:a16="http://schemas.microsoft.com/office/drawing/2014/main" id="{593F5BFC-2E7C-C243-8337-120363233862}"/>
+                  </a:ext>
+                </a:extLst>
+              </p:cNvPr>
+              <p:cNvSpPr txBox="1">
+                <a:spLocks noRot="1" noChangeAspect="1" noMove="1" noResize="1" noEditPoints="1" noAdjustHandles="1" noChangeArrowheads="1" noChangeShapeType="1" noTextEdit="1"/>
+              </p:cNvSpPr>
+              <p:nvPr/>
+            </p:nvSpPr>
+            <p:spPr>
+              <a:xfrm>
+                <a:off x="3640517" y="3292370"/>
+                <a:ext cx="398186" cy="153888"/>
+              </a:xfrm>
+              <a:prstGeom prst="rect">
+                <a:avLst/>
+              </a:prstGeom>
+              <a:blipFill>
+                <a:blip r:embed="rId24"/>
+                <a:stretch>
+                  <a:fillRect b="-7692"/>
+                </a:stretch>
+              </a:blipFill>
+            </p:spPr>
+            <p:txBody>
+              <a:bodyPr/>
+              <a:lstStyle/>
+              <a:p>
+                <a:r>
+                  <a:rPr lang="en-US">
+                    <a:noFill/>
+                  </a:rPr>
+                  <a:t> </a:t>
+                </a:r>
+              </a:p>
+            </p:txBody>
+          </p:sp>
+        </mc:Fallback>
+      </mc:AlternateContent>
     </p:spTree>
     <p:extLst>
       <p:ext uri="{BB962C8B-B14F-4D97-AF65-F5344CB8AC3E}">

--- a/docs/Geometry Drawings.pptx
+++ b/docs/Geometry Drawings.pptx
@@ -197,7 +197,7 @@
           <a:p>
             <a:fld id="{9FB87BA8-06F6-B646-996A-F4F317E0851D}" type="datetimeFigureOut">
               <a:rPr lang="en-US" smtClean="0"/>
-              <a:t>5/10/21</a:t>
+              <a:t>5/14/21</a:t>
             </a:fld>
             <a:endParaRPr lang="en-US"/>
           </a:p>
@@ -677,7 +677,7 @@
           <a:p>
             <a:fld id="{63EB71E2-6404-9340-A202-DF9F8907A413}" type="datetimeFigureOut">
               <a:rPr lang="en-US" smtClean="0"/>
-              <a:t>5/10/21</a:t>
+              <a:t>5/14/21</a:t>
             </a:fld>
             <a:endParaRPr lang="en-US"/>
           </a:p>
@@ -845,7 +845,7 @@
           <a:p>
             <a:fld id="{63EB71E2-6404-9340-A202-DF9F8907A413}" type="datetimeFigureOut">
               <a:rPr lang="en-US" smtClean="0"/>
-              <a:t>5/10/21</a:t>
+              <a:t>5/14/21</a:t>
             </a:fld>
             <a:endParaRPr lang="en-US"/>
           </a:p>
@@ -1023,7 +1023,7 @@
           <a:p>
             <a:fld id="{63EB71E2-6404-9340-A202-DF9F8907A413}" type="datetimeFigureOut">
               <a:rPr lang="en-US" smtClean="0"/>
-              <a:t>5/10/21</a:t>
+              <a:t>5/14/21</a:t>
             </a:fld>
             <a:endParaRPr lang="en-US"/>
           </a:p>
@@ -1191,7 +1191,7 @@
           <a:p>
             <a:fld id="{63EB71E2-6404-9340-A202-DF9F8907A413}" type="datetimeFigureOut">
               <a:rPr lang="en-US" smtClean="0"/>
-              <a:t>5/10/21</a:t>
+              <a:t>5/14/21</a:t>
             </a:fld>
             <a:endParaRPr lang="en-US"/>
           </a:p>
@@ -1436,7 +1436,7 @@
           <a:p>
             <a:fld id="{63EB71E2-6404-9340-A202-DF9F8907A413}" type="datetimeFigureOut">
               <a:rPr lang="en-US" smtClean="0"/>
-              <a:t>5/10/21</a:t>
+              <a:t>5/14/21</a:t>
             </a:fld>
             <a:endParaRPr lang="en-US"/>
           </a:p>
@@ -1665,7 +1665,7 @@
           <a:p>
             <a:fld id="{63EB71E2-6404-9340-A202-DF9F8907A413}" type="datetimeFigureOut">
               <a:rPr lang="en-US" smtClean="0"/>
-              <a:t>5/10/21</a:t>
+              <a:t>5/14/21</a:t>
             </a:fld>
             <a:endParaRPr lang="en-US"/>
           </a:p>
@@ -2029,7 +2029,7 @@
           <a:p>
             <a:fld id="{63EB71E2-6404-9340-A202-DF9F8907A413}" type="datetimeFigureOut">
               <a:rPr lang="en-US" smtClean="0"/>
-              <a:t>5/10/21</a:t>
+              <a:t>5/14/21</a:t>
             </a:fld>
             <a:endParaRPr lang="en-US"/>
           </a:p>
@@ -2146,7 +2146,7 @@
           <a:p>
             <a:fld id="{63EB71E2-6404-9340-A202-DF9F8907A413}" type="datetimeFigureOut">
               <a:rPr lang="en-US" smtClean="0"/>
-              <a:t>5/10/21</a:t>
+              <a:t>5/14/21</a:t>
             </a:fld>
             <a:endParaRPr lang="en-US"/>
           </a:p>
@@ -2241,7 +2241,7 @@
           <a:p>
             <a:fld id="{63EB71E2-6404-9340-A202-DF9F8907A413}" type="datetimeFigureOut">
               <a:rPr lang="en-US" smtClean="0"/>
-              <a:t>5/10/21</a:t>
+              <a:t>5/14/21</a:t>
             </a:fld>
             <a:endParaRPr lang="en-US"/>
           </a:p>
@@ -2516,7 +2516,7 @@
           <a:p>
             <a:fld id="{63EB71E2-6404-9340-A202-DF9F8907A413}" type="datetimeFigureOut">
               <a:rPr lang="en-US" smtClean="0"/>
-              <a:t>5/10/21</a:t>
+              <a:t>5/14/21</a:t>
             </a:fld>
             <a:endParaRPr lang="en-US"/>
           </a:p>
@@ -2768,7 +2768,7 @@
           <a:p>
             <a:fld id="{63EB71E2-6404-9340-A202-DF9F8907A413}" type="datetimeFigureOut">
               <a:rPr lang="en-US" smtClean="0"/>
-              <a:t>5/10/21</a:t>
+              <a:t>5/14/21</a:t>
             </a:fld>
             <a:endParaRPr lang="en-US"/>
           </a:p>
@@ -2979,7 +2979,7 @@
           <a:p>
             <a:fld id="{63EB71E2-6404-9340-A202-DF9F8907A413}" type="datetimeFigureOut">
               <a:rPr lang="en-US" smtClean="0"/>
-              <a:t>5/10/21</a:t>
+              <a:t>5/14/21</a:t>
             </a:fld>
             <a:endParaRPr lang="en-US"/>
           </a:p>
@@ -8617,8 +8617,8 @@
           </a:fontRef>
         </p:style>
       </p:cxnSp>
-      <mc:AlternateContent xmlns:mc="http://schemas.openxmlformats.org/markup-compatibility/2006">
-        <mc:Choice xmlns:a14="http://schemas.microsoft.com/office/drawing/2010/main" Requires="a14">
+      <mc:AlternateContent xmlns:mc="http://schemas.openxmlformats.org/markup-compatibility/2006" xmlns:a14="http://schemas.microsoft.com/office/drawing/2010/main">
+        <mc:Choice Requires="a14">
           <p:sp>
             <p:nvSpPr>
               <p:cNvPr id="177" name="TextBox 176"/>
@@ -8735,7 +8735,7 @@
             </p:txBody>
           </p:sp>
         </mc:Choice>
-        <mc:Fallback>
+        <mc:Fallback xmlns="">
           <p:sp>
             <p:nvSpPr>
               <p:cNvPr id="177" name="TextBox 176"/>
@@ -10377,7 +10377,7 @@
         </p:nvSpPr>
         <p:spPr>
           <a:xfrm>
-            <a:off x="3481911" y="3640147"/>
+            <a:off x="3349973" y="4042665"/>
             <a:ext cx="1050288" cy="261610"/>
           </a:xfrm>
           <a:prstGeom prst="rect">
@@ -10399,8 +10399,8 @@
           </a:p>
         </p:txBody>
       </p:sp>
-      <mc:AlternateContent xmlns:mc="http://schemas.openxmlformats.org/markup-compatibility/2006">
-        <mc:Choice xmlns:a14="http://schemas.microsoft.com/office/drawing/2010/main" Requires="a14">
+      <mc:AlternateContent xmlns:mc="http://schemas.openxmlformats.org/markup-compatibility/2006" xmlns:a14="http://schemas.microsoft.com/office/drawing/2010/main">
+        <mc:Choice Requires="a14">
           <p:sp>
             <p:nvSpPr>
               <p:cNvPr id="172" name="TextBox 171">
@@ -10498,7 +10498,7 @@
             </p:txBody>
           </p:sp>
         </mc:Choice>
-        <mc:Fallback>
+        <mc:Fallback xmlns="">
           <p:sp>
             <p:nvSpPr>
               <p:cNvPr id="172" name="TextBox 171">
@@ -10543,6 +10543,56 @@
           </p:sp>
         </mc:Fallback>
       </mc:AlternateContent>
+      <p:sp>
+        <p:nvSpPr>
+          <p:cNvPr id="2" name="Left Brace 1">
+            <a:extLst>
+              <a:ext uri="{FF2B5EF4-FFF2-40B4-BE49-F238E27FC236}">
+                <a16:creationId xmlns:a16="http://schemas.microsoft.com/office/drawing/2014/main" id="{0D3A016D-1CDE-7D4E-8A13-A2479F9F8AF7}"/>
+              </a:ext>
+            </a:extLst>
+          </p:cNvPr>
+          <p:cNvSpPr/>
+          <p:nvPr/>
+        </p:nvSpPr>
+        <p:spPr>
+          <a:xfrm rot="17268980">
+            <a:off x="4095120" y="3603094"/>
+            <a:ext cx="282002" cy="498491"/>
+          </a:xfrm>
+          <a:prstGeom prst="leftBrace">
+            <a:avLst/>
+          </a:prstGeom>
+          <a:ln w="9525">
+            <a:solidFill>
+              <a:schemeClr val="accent2"/>
+            </a:solidFill>
+            <a:prstDash val="sysDot"/>
+          </a:ln>
+        </p:spPr>
+        <p:style>
+          <a:lnRef idx="1">
+            <a:schemeClr val="accent1"/>
+          </a:lnRef>
+          <a:fillRef idx="0">
+            <a:schemeClr val="accent1"/>
+          </a:fillRef>
+          <a:effectRef idx="0">
+            <a:schemeClr val="accent1"/>
+          </a:effectRef>
+          <a:fontRef idx="minor">
+            <a:schemeClr val="tx1"/>
+          </a:fontRef>
+        </p:style>
+        <p:txBody>
+          <a:bodyPr rtlCol="0" anchor="ctr"/>
+          <a:lstStyle/>
+          <a:p>
+            <a:pPr algn="ctr"/>
+            <a:endParaRPr lang="en-US"/>
+          </a:p>
+        </p:txBody>
+      </p:sp>
     </p:spTree>
     <p:extLst>
       <p:ext uri="{BB962C8B-B14F-4D97-AF65-F5344CB8AC3E}">

--- a/docs/Geometry Drawings.pptx
+++ b/docs/Geometry Drawings.pptx
@@ -197,7 +197,7 @@
           <a:p>
             <a:fld id="{9FB87BA8-06F6-B646-996A-F4F317E0851D}" type="datetimeFigureOut">
               <a:rPr lang="en-US" smtClean="0"/>
-              <a:t>5/14/21</a:t>
+              <a:t>6/7/21</a:t>
             </a:fld>
             <a:endParaRPr lang="en-US"/>
           </a:p>
@@ -677,7 +677,7 @@
           <a:p>
             <a:fld id="{63EB71E2-6404-9340-A202-DF9F8907A413}" type="datetimeFigureOut">
               <a:rPr lang="en-US" smtClean="0"/>
-              <a:t>5/14/21</a:t>
+              <a:t>6/7/21</a:t>
             </a:fld>
             <a:endParaRPr lang="en-US"/>
           </a:p>
@@ -845,7 +845,7 @@
           <a:p>
             <a:fld id="{63EB71E2-6404-9340-A202-DF9F8907A413}" type="datetimeFigureOut">
               <a:rPr lang="en-US" smtClean="0"/>
-              <a:t>5/14/21</a:t>
+              <a:t>6/7/21</a:t>
             </a:fld>
             <a:endParaRPr lang="en-US"/>
           </a:p>
@@ -1023,7 +1023,7 @@
           <a:p>
             <a:fld id="{63EB71E2-6404-9340-A202-DF9F8907A413}" type="datetimeFigureOut">
               <a:rPr lang="en-US" smtClean="0"/>
-              <a:t>5/14/21</a:t>
+              <a:t>6/7/21</a:t>
             </a:fld>
             <a:endParaRPr lang="en-US"/>
           </a:p>
@@ -1191,7 +1191,7 @@
           <a:p>
             <a:fld id="{63EB71E2-6404-9340-A202-DF9F8907A413}" type="datetimeFigureOut">
               <a:rPr lang="en-US" smtClean="0"/>
-              <a:t>5/14/21</a:t>
+              <a:t>6/7/21</a:t>
             </a:fld>
             <a:endParaRPr lang="en-US"/>
           </a:p>
@@ -1436,7 +1436,7 @@
           <a:p>
             <a:fld id="{63EB71E2-6404-9340-A202-DF9F8907A413}" type="datetimeFigureOut">
               <a:rPr lang="en-US" smtClean="0"/>
-              <a:t>5/14/21</a:t>
+              <a:t>6/7/21</a:t>
             </a:fld>
             <a:endParaRPr lang="en-US"/>
           </a:p>
@@ -1665,7 +1665,7 @@
           <a:p>
             <a:fld id="{63EB71E2-6404-9340-A202-DF9F8907A413}" type="datetimeFigureOut">
               <a:rPr lang="en-US" smtClean="0"/>
-              <a:t>5/14/21</a:t>
+              <a:t>6/7/21</a:t>
             </a:fld>
             <a:endParaRPr lang="en-US"/>
           </a:p>
@@ -2029,7 +2029,7 @@
           <a:p>
             <a:fld id="{63EB71E2-6404-9340-A202-DF9F8907A413}" type="datetimeFigureOut">
               <a:rPr lang="en-US" smtClean="0"/>
-              <a:t>5/14/21</a:t>
+              <a:t>6/7/21</a:t>
             </a:fld>
             <a:endParaRPr lang="en-US"/>
           </a:p>
@@ -2146,7 +2146,7 @@
           <a:p>
             <a:fld id="{63EB71E2-6404-9340-A202-DF9F8907A413}" type="datetimeFigureOut">
               <a:rPr lang="en-US" smtClean="0"/>
-              <a:t>5/14/21</a:t>
+              <a:t>6/7/21</a:t>
             </a:fld>
             <a:endParaRPr lang="en-US"/>
           </a:p>
@@ -2241,7 +2241,7 @@
           <a:p>
             <a:fld id="{63EB71E2-6404-9340-A202-DF9F8907A413}" type="datetimeFigureOut">
               <a:rPr lang="en-US" smtClean="0"/>
-              <a:t>5/14/21</a:t>
+              <a:t>6/7/21</a:t>
             </a:fld>
             <a:endParaRPr lang="en-US"/>
           </a:p>
@@ -2516,7 +2516,7 @@
           <a:p>
             <a:fld id="{63EB71E2-6404-9340-A202-DF9F8907A413}" type="datetimeFigureOut">
               <a:rPr lang="en-US" smtClean="0"/>
-              <a:t>5/14/21</a:t>
+              <a:t>6/7/21</a:t>
             </a:fld>
             <a:endParaRPr lang="en-US"/>
           </a:p>
@@ -2768,7 +2768,7 @@
           <a:p>
             <a:fld id="{63EB71E2-6404-9340-A202-DF9F8907A413}" type="datetimeFigureOut">
               <a:rPr lang="en-US" smtClean="0"/>
-              <a:t>5/14/21</a:t>
+              <a:t>6/7/21</a:t>
             </a:fld>
             <a:endParaRPr lang="en-US"/>
           </a:p>
@@ -2979,7 +2979,7 @@
           <a:p>
             <a:fld id="{63EB71E2-6404-9340-A202-DF9F8907A413}" type="datetimeFigureOut">
               <a:rPr lang="en-US" smtClean="0"/>
-              <a:t>5/14/21</a:t>
+              <a:t>6/7/21</a:t>
             </a:fld>
             <a:endParaRPr lang="en-US"/>
           </a:p>
@@ -10131,8 +10131,8 @@
             <a:solidFill>
               <a:schemeClr val="tx1"/>
             </a:solidFill>
-            <a:headEnd type="none" w="sm" len="med"/>
-            <a:tailEnd type="triangle" w="sm" len="med"/>
+            <a:headEnd type="triangle" w="sm" len="med"/>
+            <a:tailEnd type="none" w="sm" len="med"/>
           </a:ln>
         </p:spPr>
         <p:style>
@@ -10165,9 +10165,9 @@
           <p:nvPr/>
         </p:nvCxnSpPr>
         <p:spPr>
-          <a:xfrm flipV="1">
-            <a:off x="9790186" y="3245003"/>
-            <a:ext cx="7908" cy="218112"/>
+          <a:xfrm flipH="1" flipV="1">
+            <a:off x="9788421" y="3237590"/>
+            <a:ext cx="1765" cy="225525"/>
           </a:xfrm>
           <a:prstGeom prst="straightConnector1">
             <a:avLst/>
@@ -10176,8 +10176,8 @@
             <a:solidFill>
               <a:schemeClr val="tx1"/>
             </a:solidFill>
-            <a:headEnd type="none" w="sm" len="med"/>
-            <a:tailEnd type="triangle" w="sm" len="med"/>
+            <a:headEnd type="triangle" w="sm" len="med"/>
+            <a:tailEnd type="none" w="sm" len="med"/>
           </a:ln>
         </p:spPr>
         <p:style>
@@ -10300,7 +10300,7 @@
         <p:spPr>
           <a:xfrm>
             <a:off x="9877953" y="3009768"/>
-            <a:ext cx="1116011" cy="261610"/>
+            <a:ext cx="811441" cy="261610"/>
           </a:xfrm>
           <a:prstGeom prst="rect">
             <a:avLst/>
@@ -10315,12 +10315,9 @@
           <a:p>
             <a:r>
               <a:rPr lang="en-US" sz="1100" dirty="0" err="1"/>
-              <a:t>center_offset</a:t>
+              <a:t>row_offset</a:t>
             </a:r>
-            <a:r>
-              <a:rPr lang="en-US" sz="1100" dirty="0"/>
-              <a:t>(0)</a:t>
-            </a:r>
+            <a:endParaRPr lang="en-US" sz="1100" dirty="0"/>
           </a:p>
         </p:txBody>
       </p:sp>
@@ -10338,7 +10335,7 @@
         </p:nvSpPr>
         <p:spPr>
           <a:xfrm>
-            <a:off x="8625094" y="3193114"/>
+            <a:off x="8808286" y="3154885"/>
             <a:ext cx="1108102" cy="261610"/>
           </a:xfrm>
           <a:prstGeom prst="rect">
@@ -10354,12 +10351,9 @@
           <a:p>
             <a:r>
               <a:rPr lang="en-US" sz="1100" dirty="0" err="1"/>
-              <a:t>center_offset</a:t>
+              <a:t>channel_offset</a:t>
             </a:r>
-            <a:r>
-              <a:rPr lang="en-US" sz="1100" dirty="0"/>
-              <a:t>(1)</a:t>
-            </a:r>
+            <a:endParaRPr lang="en-US" sz="1100" dirty="0"/>
           </a:p>
         </p:txBody>
       </p:sp>
